--- a/Automatyzacja pomiaru wysokości spoiny z wykorzystaniem technologii skanu.pptx
+++ b/Automatyzacja pomiaru wysokości spoiny z wykorzystaniem technologii skanu.pptx
@@ -111,6 +111,11 @@
       </a:defRPr>
     </a:lvl9pPr>
   </p:defaultTextStyle>
+  <p:extLst>
+    <p:ext uri="{EFAFB233-063F-42B5-8137-9DF3F51BA10A}">
+      <p15:sldGuideLst xmlns:p15="http://schemas.microsoft.com/office/powerpoint/2012/main"/>
+    </p:ext>
+  </p:extLst>
 </p:presentation>
 </file>
 
@@ -9282,11 +9287,17 @@
         <p:spPr/>
         <p:txBody>
           <a:bodyPr>
-            <a:normAutofit fontScale="85000" lnSpcReduction="10000"/>
+            <a:normAutofit fontScale="55000" lnSpcReduction="20000"/>
           </a:bodyPr>
           <a:lstStyle/>
           <a:p>
-            <a:endParaRPr lang="pl-PL"/>
+            <a:r>
+              <a:rPr lang="pl-PL" dirty="0">
+                <a:hlinkClick r:id="rId2"/>
+              </a:rPr>
+              <a:t>https://github.com/norbertprokopiuk/Automatyzacja-python-projekt</a:t>
+            </a:r>
+            <a:endParaRPr lang="pl-PL" dirty="0"/>
           </a:p>
         </p:txBody>
       </p:sp>
